--- a/20230419_KPS_송영호.pptx
+++ b/20230419_KPS_송영호.pptx
@@ -28,13 +28,13 @@
     <p:sldId id="546" r:id="rId16"/>
     <p:sldId id="528" r:id="rId17"/>
     <p:sldId id="566" r:id="rId18"/>
-    <p:sldId id="536" r:id="rId19"/>
-    <p:sldId id="537" r:id="rId20"/>
-    <p:sldId id="580" r:id="rId21"/>
-    <p:sldId id="581" r:id="rId22"/>
-    <p:sldId id="586" r:id="rId23"/>
-    <p:sldId id="588" r:id="rId24"/>
-    <p:sldId id="587" r:id="rId25"/>
+    <p:sldId id="589" r:id="rId19"/>
+    <p:sldId id="536" r:id="rId20"/>
+    <p:sldId id="537" r:id="rId21"/>
+    <p:sldId id="580" r:id="rId22"/>
+    <p:sldId id="581" r:id="rId23"/>
+    <p:sldId id="586" r:id="rId24"/>
+    <p:sldId id="588" r:id="rId25"/>
     <p:sldId id="544" r:id="rId26"/>
   </p:sldIdLst>
   <p:sldSz cx="9906000" cy="6858000" type="A4"/>
@@ -152,13 +152,13 @@
             <p14:sldId id="546"/>
             <p14:sldId id="528"/>
             <p14:sldId id="566"/>
+            <p14:sldId id="589"/>
             <p14:sldId id="536"/>
             <p14:sldId id="537"/>
             <p14:sldId id="580"/>
             <p14:sldId id="581"/>
             <p14:sldId id="586"/>
             <p14:sldId id="588"/>
-            <p14:sldId id="587"/>
             <p14:sldId id="544"/>
           </p14:sldIdLst>
         </p14:section>
@@ -327,7 +327,7 @@
           <a:p>
             <a:fld id="{46F42610-14FF-4B40-B4B6-786DE4FB8FEA}" type="datetime1">
               <a:rPr lang="ko-KR" altLang="en-US" smtClean="0"/>
-              <a:t>2023-04-17</a:t>
+              <a:t>2023-04-19</a:t>
             </a:fld>
             <a:endParaRPr lang="ko-KR" altLang="en-US"/>
           </a:p>
@@ -493,7 +493,7 @@
           <a:p>
             <a:fld id="{513A899E-F476-4791-9F16-0B14047B11F2}" type="datetime1">
               <a:rPr lang="ko-KR" altLang="en-US" smtClean="0"/>
-              <a:t>2023-04-17</a:t>
+              <a:t>2023-04-19</a:t>
             </a:fld>
             <a:endParaRPr lang="ko-KR" altLang="en-US"/>
           </a:p>
@@ -959,7 +959,7 @@
           <a:p>
             <a:fld id="{D5BB7A41-6D90-4371-844A-87EC379C3D06}" type="datetimeFigureOut">
               <a:rPr lang="ko-KR" altLang="en-US" smtClean="0"/>
-              <a:t>2023-04-17</a:t>
+              <a:t>2023-04-19</a:t>
             </a:fld>
             <a:endParaRPr lang="ko-KR" altLang="en-US"/>
           </a:p>
@@ -1307,7 +1307,7 @@
             <a:fld id="{1D8BD707-D9CF-40AE-B4C6-C98DA3205C09}" type="datetimeFigureOut">
               <a:rPr lang="en-US" smtClean="0"/>
               <a:pPr defTabSz="914400" latinLnBrk="0"/>
-              <a:t>4/17/2023</a:t>
+              <a:t>4/19/2023</a:t>
             </a:fld>
             <a:endParaRPr lang="en-US"/>
           </a:p>
@@ -1517,7 +1517,7 @@
             <a:fld id="{1D8BD707-D9CF-40AE-B4C6-C98DA3205C09}" type="datetimeFigureOut">
               <a:rPr lang="en-US" smtClean="0"/>
               <a:pPr defTabSz="914400" latinLnBrk="0"/>
-              <a:t>4/17/2023</a:t>
+              <a:t>4/19/2023</a:t>
             </a:fld>
             <a:endParaRPr lang="en-US"/>
           </a:p>
@@ -1775,7 +1775,7 @@
             <a:fld id="{1D8BD707-D9CF-40AE-B4C6-C98DA3205C09}" type="datetimeFigureOut">
               <a:rPr lang="en-US" smtClean="0"/>
               <a:pPr defTabSz="914400" latinLnBrk="0"/>
-              <a:t>4/17/2023</a:t>
+              <a:t>4/19/2023</a:t>
             </a:fld>
             <a:endParaRPr lang="en-US"/>
           </a:p>
@@ -2103,7 +2103,7 @@
             <a:fld id="{1D8BD707-D9CF-40AE-B4C6-C98DA3205C09}" type="datetimeFigureOut">
               <a:rPr lang="en-US" smtClean="0"/>
               <a:pPr defTabSz="914400" latinLnBrk="0"/>
-              <a:t>4/17/2023</a:t>
+              <a:t>4/19/2023</a:t>
             </a:fld>
             <a:endParaRPr lang="en-US"/>
           </a:p>
@@ -2579,7 +2579,7 @@
             <a:fld id="{1D8BD707-D9CF-40AE-B4C6-C98DA3205C09}" type="datetimeFigureOut">
               <a:rPr lang="en-US" smtClean="0"/>
               <a:pPr defTabSz="914400" latinLnBrk="0"/>
-              <a:t>4/17/2023</a:t>
+              <a:t>4/19/2023</a:t>
             </a:fld>
             <a:endParaRPr lang="en-US"/>
           </a:p>
@@ -2737,7 +2737,7 @@
             <a:fld id="{1D8BD707-D9CF-40AE-B4C6-C98DA3205C09}" type="datetimeFigureOut">
               <a:rPr lang="en-US" smtClean="0"/>
               <a:pPr defTabSz="914400" latinLnBrk="0"/>
-              <a:t>4/17/2023</a:t>
+              <a:t>4/19/2023</a:t>
             </a:fld>
             <a:endParaRPr lang="en-US"/>
           </a:p>
@@ -2837,7 +2837,7 @@
             <a:fld id="{1D8BD707-D9CF-40AE-B4C6-C98DA3205C09}" type="datetimeFigureOut">
               <a:rPr lang="en-US" smtClean="0"/>
               <a:pPr defTabSz="914400" latinLnBrk="0"/>
-              <a:t>4/17/2023</a:t>
+              <a:t>4/19/2023</a:t>
             </a:fld>
             <a:endParaRPr lang="en-US"/>
           </a:p>
@@ -2995,7 +2995,7 @@
           <a:p>
             <a:fld id="{D5BB7A41-6D90-4371-844A-87EC379C3D06}" type="datetimeFigureOut">
               <a:rPr lang="ko-KR" altLang="en-US" smtClean="0"/>
-              <a:t>2023-04-17</a:t>
+              <a:t>2023-04-19</a:t>
             </a:fld>
             <a:endParaRPr lang="ko-KR" altLang="en-US"/>
           </a:p>
@@ -3276,7 +3276,7 @@
             <a:fld id="{1D8BD707-D9CF-40AE-B4C6-C98DA3205C09}" type="datetimeFigureOut">
               <a:rPr lang="en-US" smtClean="0"/>
               <a:pPr defTabSz="914400" latinLnBrk="0"/>
-              <a:t>4/17/2023</a:t>
+              <a:t>4/19/2023</a:t>
             </a:fld>
             <a:endParaRPr lang="en-US"/>
           </a:p>
@@ -3591,7 +3591,7 @@
             <a:fld id="{1D8BD707-D9CF-40AE-B4C6-C98DA3205C09}" type="datetimeFigureOut">
               <a:rPr lang="en-US" smtClean="0"/>
               <a:pPr defTabSz="914400" latinLnBrk="0"/>
-              <a:t>4/17/2023</a:t>
+              <a:t>4/19/2023</a:t>
             </a:fld>
             <a:endParaRPr lang="en-US"/>
           </a:p>
@@ -3766,7 +3766,7 @@
             <a:fld id="{1D8BD707-D9CF-40AE-B4C6-C98DA3205C09}" type="datetimeFigureOut">
               <a:rPr lang="en-US" smtClean="0"/>
               <a:pPr defTabSz="914400" latinLnBrk="0"/>
-              <a:t>4/17/2023</a:t>
+              <a:t>4/19/2023</a:t>
             </a:fld>
             <a:endParaRPr lang="en-US"/>
           </a:p>
@@ -3951,7 +3951,7 @@
             <a:fld id="{1D8BD707-D9CF-40AE-B4C6-C98DA3205C09}" type="datetimeFigureOut">
               <a:rPr lang="en-US" smtClean="0"/>
               <a:pPr defTabSz="914400" latinLnBrk="0"/>
-              <a:t>4/17/2023</a:t>
+              <a:t>4/19/2023</a:t>
             </a:fld>
             <a:endParaRPr lang="en-US"/>
           </a:p>
@@ -4205,7 +4205,7 @@
             <a:fld id="{1D8BD707-D9CF-40AE-B4C6-C98DA3205C09}" type="datetimeFigureOut">
               <a:rPr lang="en-US" smtClean="0"/>
               <a:pPr defTabSz="914400" latinLnBrk="0"/>
-              <a:t>4/17/2023</a:t>
+              <a:t>4/19/2023</a:t>
             </a:fld>
             <a:endParaRPr lang="en-US"/>
           </a:p>
@@ -4415,7 +4415,7 @@
             <a:fld id="{1D8BD707-D9CF-40AE-B4C6-C98DA3205C09}" type="datetimeFigureOut">
               <a:rPr lang="en-US" smtClean="0"/>
               <a:pPr defTabSz="914400" latinLnBrk="0"/>
-              <a:t>4/17/2023</a:t>
+              <a:t>4/19/2023</a:t>
             </a:fld>
             <a:endParaRPr lang="en-US"/>
           </a:p>
@@ -4673,7 +4673,7 @@
             <a:fld id="{1D8BD707-D9CF-40AE-B4C6-C98DA3205C09}" type="datetimeFigureOut">
               <a:rPr lang="en-US" smtClean="0"/>
               <a:pPr defTabSz="914400" latinLnBrk="0"/>
-              <a:t>4/17/2023</a:t>
+              <a:t>4/19/2023</a:t>
             </a:fld>
             <a:endParaRPr lang="en-US"/>
           </a:p>
@@ -5001,7 +5001,7 @@
             <a:fld id="{1D8BD707-D9CF-40AE-B4C6-C98DA3205C09}" type="datetimeFigureOut">
               <a:rPr lang="en-US" smtClean="0"/>
               <a:pPr defTabSz="914400" latinLnBrk="0"/>
-              <a:t>4/17/2023</a:t>
+              <a:t>4/19/2023</a:t>
             </a:fld>
             <a:endParaRPr lang="en-US"/>
           </a:p>
@@ -5477,7 +5477,7 @@
             <a:fld id="{1D8BD707-D9CF-40AE-B4C6-C98DA3205C09}" type="datetimeFigureOut">
               <a:rPr lang="en-US" smtClean="0"/>
               <a:pPr defTabSz="914400" latinLnBrk="0"/>
-              <a:t>4/17/2023</a:t>
+              <a:t>4/19/2023</a:t>
             </a:fld>
             <a:endParaRPr lang="en-US"/>
           </a:p>
@@ -5635,7 +5635,7 @@
             <a:fld id="{1D8BD707-D9CF-40AE-B4C6-C98DA3205C09}" type="datetimeFigureOut">
               <a:rPr lang="en-US" smtClean="0"/>
               <a:pPr defTabSz="914400" latinLnBrk="0"/>
-              <a:t>4/17/2023</a:t>
+              <a:t>4/19/2023</a:t>
             </a:fld>
             <a:endParaRPr lang="en-US"/>
           </a:p>
@@ -5888,7 +5888,7 @@
           <a:p>
             <a:fld id="{D5BB7A41-6D90-4371-844A-87EC379C3D06}" type="datetimeFigureOut">
               <a:rPr lang="ko-KR" altLang="en-US" smtClean="0"/>
-              <a:t>2023-04-17</a:t>
+              <a:t>2023-04-19</a:t>
             </a:fld>
             <a:endParaRPr lang="ko-KR" altLang="en-US"/>
           </a:p>
@@ -5985,7 +5985,7 @@
             <a:fld id="{1D8BD707-D9CF-40AE-B4C6-C98DA3205C09}" type="datetimeFigureOut">
               <a:rPr lang="en-US" smtClean="0"/>
               <a:pPr defTabSz="914400" latinLnBrk="0"/>
-              <a:t>4/17/2023</a:t>
+              <a:t>4/19/2023</a:t>
             </a:fld>
             <a:endParaRPr lang="en-US"/>
           </a:p>
@@ -6269,7 +6269,7 @@
             <a:fld id="{1D8BD707-D9CF-40AE-B4C6-C98DA3205C09}" type="datetimeFigureOut">
               <a:rPr lang="en-US" smtClean="0"/>
               <a:pPr defTabSz="914400" latinLnBrk="0"/>
-              <a:t>4/17/2023</a:t>
+              <a:t>4/19/2023</a:t>
             </a:fld>
             <a:endParaRPr lang="en-US"/>
           </a:p>
@@ -6584,7 +6584,7 @@
             <a:fld id="{1D8BD707-D9CF-40AE-B4C6-C98DA3205C09}" type="datetimeFigureOut">
               <a:rPr lang="en-US" smtClean="0"/>
               <a:pPr defTabSz="914400" latinLnBrk="0"/>
-              <a:t>4/17/2023</a:t>
+              <a:t>4/19/2023</a:t>
             </a:fld>
             <a:endParaRPr lang="en-US"/>
           </a:p>
@@ -6759,7 +6759,7 @@
             <a:fld id="{1D8BD707-D9CF-40AE-B4C6-C98DA3205C09}" type="datetimeFigureOut">
               <a:rPr lang="en-US" smtClean="0"/>
               <a:pPr defTabSz="914400" latinLnBrk="0"/>
-              <a:t>4/17/2023</a:t>
+              <a:t>4/19/2023</a:t>
             </a:fld>
             <a:endParaRPr lang="en-US"/>
           </a:p>
@@ -6944,7 +6944,7 @@
             <a:fld id="{1D8BD707-D9CF-40AE-B4C6-C98DA3205C09}" type="datetimeFigureOut">
               <a:rPr lang="en-US" smtClean="0"/>
               <a:pPr defTabSz="914400" latinLnBrk="0"/>
-              <a:t>4/17/2023</a:t>
+              <a:t>4/19/2023</a:t>
             </a:fld>
             <a:endParaRPr lang="en-US"/>
           </a:p>
@@ -7198,7 +7198,7 @@
             <a:fld id="{1D8BD707-D9CF-40AE-B4C6-C98DA3205C09}" type="datetimeFigureOut">
               <a:rPr lang="en-US" smtClean="0"/>
               <a:pPr defTabSz="914400" latinLnBrk="0"/>
-              <a:t>4/17/2023</a:t>
+              <a:t>4/19/2023</a:t>
             </a:fld>
             <a:endParaRPr lang="en-US"/>
           </a:p>
@@ -7408,7 +7408,7 @@
             <a:fld id="{1D8BD707-D9CF-40AE-B4C6-C98DA3205C09}" type="datetimeFigureOut">
               <a:rPr lang="en-US" smtClean="0"/>
               <a:pPr defTabSz="914400" latinLnBrk="0"/>
-              <a:t>4/17/2023</a:t>
+              <a:t>4/19/2023</a:t>
             </a:fld>
             <a:endParaRPr lang="en-US"/>
           </a:p>
@@ -7666,7 +7666,7 @@
             <a:fld id="{1D8BD707-D9CF-40AE-B4C6-C98DA3205C09}" type="datetimeFigureOut">
               <a:rPr lang="en-US" smtClean="0"/>
               <a:pPr defTabSz="914400" latinLnBrk="0"/>
-              <a:t>4/17/2023</a:t>
+              <a:t>4/19/2023</a:t>
             </a:fld>
             <a:endParaRPr lang="en-US"/>
           </a:p>
@@ -7994,7 +7994,7 @@
             <a:fld id="{1D8BD707-D9CF-40AE-B4C6-C98DA3205C09}" type="datetimeFigureOut">
               <a:rPr lang="en-US" smtClean="0"/>
               <a:pPr defTabSz="914400" latinLnBrk="0"/>
-              <a:t>4/17/2023</a:t>
+              <a:t>4/19/2023</a:t>
             </a:fld>
             <a:endParaRPr lang="en-US"/>
           </a:p>
@@ -8470,7 +8470,7 @@
             <a:fld id="{1D8BD707-D9CF-40AE-B4C6-C98DA3205C09}" type="datetimeFigureOut">
               <a:rPr lang="en-US" smtClean="0"/>
               <a:pPr defTabSz="914400" latinLnBrk="0"/>
-              <a:t>4/17/2023</a:t>
+              <a:t>4/19/2023</a:t>
             </a:fld>
             <a:endParaRPr lang="en-US"/>
           </a:p>
@@ -8754,7 +8754,7 @@
           <a:p>
             <a:fld id="{D5BB7A41-6D90-4371-844A-87EC379C3D06}" type="datetimeFigureOut">
               <a:rPr lang="ko-KR" altLang="en-US" smtClean="0"/>
-              <a:t>2023-04-17</a:t>
+              <a:t>2023-04-19</a:t>
             </a:fld>
             <a:endParaRPr lang="ko-KR" altLang="en-US"/>
           </a:p>
@@ -8874,7 +8874,7 @@
             <a:fld id="{1D8BD707-D9CF-40AE-B4C6-C98DA3205C09}" type="datetimeFigureOut">
               <a:rPr lang="en-US" smtClean="0"/>
               <a:pPr defTabSz="914400" latinLnBrk="0"/>
-              <a:t>4/17/2023</a:t>
+              <a:t>4/19/2023</a:t>
             </a:fld>
             <a:endParaRPr lang="en-US"/>
           </a:p>
@@ -8974,7 +8974,7 @@
             <a:fld id="{1D8BD707-D9CF-40AE-B4C6-C98DA3205C09}" type="datetimeFigureOut">
               <a:rPr lang="en-US" smtClean="0"/>
               <a:pPr defTabSz="914400" latinLnBrk="0"/>
-              <a:t>4/17/2023</a:t>
+              <a:t>4/19/2023</a:t>
             </a:fld>
             <a:endParaRPr lang="en-US"/>
           </a:p>
@@ -9258,7 +9258,7 @@
             <a:fld id="{1D8BD707-D9CF-40AE-B4C6-C98DA3205C09}" type="datetimeFigureOut">
               <a:rPr lang="en-US" smtClean="0"/>
               <a:pPr defTabSz="914400" latinLnBrk="0"/>
-              <a:t>4/17/2023</a:t>
+              <a:t>4/19/2023</a:t>
             </a:fld>
             <a:endParaRPr lang="en-US"/>
           </a:p>
@@ -9573,7 +9573,7 @@
             <a:fld id="{1D8BD707-D9CF-40AE-B4C6-C98DA3205C09}" type="datetimeFigureOut">
               <a:rPr lang="en-US" smtClean="0"/>
               <a:pPr defTabSz="914400" latinLnBrk="0"/>
-              <a:t>4/17/2023</a:t>
+              <a:t>4/19/2023</a:t>
             </a:fld>
             <a:endParaRPr lang="en-US"/>
           </a:p>
@@ -9748,7 +9748,7 @@
             <a:fld id="{1D8BD707-D9CF-40AE-B4C6-C98DA3205C09}" type="datetimeFigureOut">
               <a:rPr lang="en-US" smtClean="0"/>
               <a:pPr defTabSz="914400" latinLnBrk="0"/>
-              <a:t>4/17/2023</a:t>
+              <a:t>4/19/2023</a:t>
             </a:fld>
             <a:endParaRPr lang="en-US"/>
           </a:p>
@@ -9933,7 +9933,7 @@
             <a:fld id="{1D8BD707-D9CF-40AE-B4C6-C98DA3205C09}" type="datetimeFigureOut">
               <a:rPr lang="en-US" smtClean="0"/>
               <a:pPr defTabSz="914400" latinLnBrk="0"/>
-              <a:t>4/17/2023</a:t>
+              <a:t>4/19/2023</a:t>
             </a:fld>
             <a:endParaRPr lang="en-US"/>
           </a:p>
@@ -10187,7 +10187,7 @@
             <a:fld id="{1D8BD707-D9CF-40AE-B4C6-C98DA3205C09}" type="datetimeFigureOut">
               <a:rPr lang="en-US" smtClean="0"/>
               <a:pPr defTabSz="914400" latinLnBrk="0"/>
-              <a:t>4/17/2023</a:t>
+              <a:t>4/19/2023</a:t>
             </a:fld>
             <a:endParaRPr lang="en-US"/>
           </a:p>
@@ -10397,7 +10397,7 @@
             <a:fld id="{1D8BD707-D9CF-40AE-B4C6-C98DA3205C09}" type="datetimeFigureOut">
               <a:rPr lang="en-US" smtClean="0"/>
               <a:pPr defTabSz="914400" latinLnBrk="0"/>
-              <a:t>4/17/2023</a:t>
+              <a:t>4/19/2023</a:t>
             </a:fld>
             <a:endParaRPr lang="en-US"/>
           </a:p>
@@ -10655,7 +10655,7 @@
             <a:fld id="{1D8BD707-D9CF-40AE-B4C6-C98DA3205C09}" type="datetimeFigureOut">
               <a:rPr lang="en-US" smtClean="0"/>
               <a:pPr defTabSz="914400" latinLnBrk="0"/>
-              <a:t>4/17/2023</a:t>
+              <a:t>4/19/2023</a:t>
             </a:fld>
             <a:endParaRPr lang="en-US"/>
           </a:p>
@@ -10983,7 +10983,7 @@
             <a:fld id="{1D8BD707-D9CF-40AE-B4C6-C98DA3205C09}" type="datetimeFigureOut">
               <a:rPr lang="en-US" smtClean="0"/>
               <a:pPr defTabSz="914400" latinLnBrk="0"/>
-              <a:t>4/17/2023</a:t>
+              <a:t>4/19/2023</a:t>
             </a:fld>
             <a:endParaRPr lang="en-US"/>
           </a:p>
@@ -11368,7 +11368,7 @@
           <a:p>
             <a:fld id="{D5BB7A41-6D90-4371-844A-87EC379C3D06}" type="datetimeFigureOut">
               <a:rPr lang="ko-KR" altLang="en-US" smtClean="0"/>
-              <a:t>2023-04-17</a:t>
+              <a:t>2023-04-19</a:t>
             </a:fld>
             <a:endParaRPr lang="ko-KR" altLang="en-US"/>
           </a:p>
@@ -11841,7 +11841,7 @@
             <a:fld id="{1D8BD707-D9CF-40AE-B4C6-C98DA3205C09}" type="datetimeFigureOut">
               <a:rPr lang="en-US" smtClean="0"/>
               <a:pPr defTabSz="914400" latinLnBrk="0"/>
-              <a:t>4/17/2023</a:t>
+              <a:t>4/19/2023</a:t>
             </a:fld>
             <a:endParaRPr lang="en-US"/>
           </a:p>
@@ -11999,7 +11999,7 @@
             <a:fld id="{1D8BD707-D9CF-40AE-B4C6-C98DA3205C09}" type="datetimeFigureOut">
               <a:rPr lang="en-US" smtClean="0"/>
               <a:pPr defTabSz="914400" latinLnBrk="0"/>
-              <a:t>4/17/2023</a:t>
+              <a:t>4/19/2023</a:t>
             </a:fld>
             <a:endParaRPr lang="en-US"/>
           </a:p>
@@ -12099,7 +12099,7 @@
             <a:fld id="{1D8BD707-D9CF-40AE-B4C6-C98DA3205C09}" type="datetimeFigureOut">
               <a:rPr lang="en-US" smtClean="0"/>
               <a:pPr defTabSz="914400" latinLnBrk="0"/>
-              <a:t>4/17/2023</a:t>
+              <a:t>4/19/2023</a:t>
             </a:fld>
             <a:endParaRPr lang="en-US"/>
           </a:p>
@@ -12383,7 +12383,7 @@
             <a:fld id="{1D8BD707-D9CF-40AE-B4C6-C98DA3205C09}" type="datetimeFigureOut">
               <a:rPr lang="en-US" smtClean="0"/>
               <a:pPr defTabSz="914400" latinLnBrk="0"/>
-              <a:t>4/17/2023</a:t>
+              <a:t>4/19/2023</a:t>
             </a:fld>
             <a:endParaRPr lang="en-US"/>
           </a:p>
@@ -12698,7 +12698,7 @@
             <a:fld id="{1D8BD707-D9CF-40AE-B4C6-C98DA3205C09}" type="datetimeFigureOut">
               <a:rPr lang="en-US" smtClean="0"/>
               <a:pPr defTabSz="914400" latinLnBrk="0"/>
-              <a:t>4/17/2023</a:t>
+              <a:t>4/19/2023</a:t>
             </a:fld>
             <a:endParaRPr lang="en-US"/>
           </a:p>
@@ -12873,7 +12873,7 @@
             <a:fld id="{1D8BD707-D9CF-40AE-B4C6-C98DA3205C09}" type="datetimeFigureOut">
               <a:rPr lang="en-US" smtClean="0"/>
               <a:pPr defTabSz="914400" latinLnBrk="0"/>
-              <a:t>4/17/2023</a:t>
+              <a:t>4/19/2023</a:t>
             </a:fld>
             <a:endParaRPr lang="en-US"/>
           </a:p>
@@ -13058,7 +13058,7 @@
             <a:fld id="{1D8BD707-D9CF-40AE-B4C6-C98DA3205C09}" type="datetimeFigureOut">
               <a:rPr lang="en-US" smtClean="0"/>
               <a:pPr defTabSz="914400" latinLnBrk="0"/>
-              <a:t>4/17/2023</a:t>
+              <a:t>4/19/2023</a:t>
             </a:fld>
             <a:endParaRPr lang="en-US"/>
           </a:p>
@@ -13187,7 +13187,7 @@
           <a:p>
             <a:fld id="{D5BB7A41-6D90-4371-844A-87EC379C3D06}" type="datetimeFigureOut">
               <a:rPr lang="ko-KR" altLang="en-US" smtClean="0"/>
-              <a:t>2023-04-17</a:t>
+              <a:t>2023-04-19</a:t>
             </a:fld>
             <a:endParaRPr lang="ko-KR" altLang="en-US"/>
           </a:p>
@@ -13282,7 +13282,7 @@
           <a:p>
             <a:fld id="{D5BB7A41-6D90-4371-844A-87EC379C3D06}" type="datetimeFigureOut">
               <a:rPr lang="ko-KR" altLang="en-US" smtClean="0"/>
-              <a:t>2023-04-17</a:t>
+              <a:t>2023-04-19</a:t>
             </a:fld>
             <a:endParaRPr lang="ko-KR" altLang="en-US"/>
           </a:p>
@@ -13568,7 +13568,7 @@
           <a:p>
             <a:fld id="{D5BB7A41-6D90-4371-844A-87EC379C3D06}" type="datetimeFigureOut">
               <a:rPr lang="ko-KR" altLang="en-US" smtClean="0"/>
-              <a:t>2023-04-17</a:t>
+              <a:t>2023-04-19</a:t>
             </a:fld>
             <a:endParaRPr lang="ko-KR" altLang="en-US"/>
           </a:p>
@@ -13716,7 +13716,7 @@
           <a:p>
             <a:fld id="{D5BB7A41-6D90-4371-844A-87EC379C3D06}" type="datetimeFigureOut">
               <a:rPr lang="ko-KR" altLang="en-US" smtClean="0"/>
-              <a:t>2023-04-17</a:t>
+              <a:t>2023-04-19</a:t>
             </a:fld>
             <a:endParaRPr lang="ko-KR" altLang="en-US"/>
           </a:p>
@@ -14551,7 +14551,7 @@
             <a:fld id="{1D8BD707-D9CF-40AE-B4C6-C98DA3205C09}" type="datetimeFigureOut">
               <a:rPr lang="en-US" smtClean="0"/>
               <a:pPr defTabSz="914400" latinLnBrk="0"/>
-              <a:t>4/17/2023</a:t>
+              <a:t>4/19/2023</a:t>
             </a:fld>
             <a:endParaRPr lang="en-US"/>
           </a:p>
@@ -15241,7 +15241,7 @@
             <a:fld id="{1D8BD707-D9CF-40AE-B4C6-C98DA3205C09}" type="datetimeFigureOut">
               <a:rPr lang="en-US" smtClean="0"/>
               <a:pPr defTabSz="914400" latinLnBrk="0"/>
-              <a:t>4/17/2023</a:t>
+              <a:t>4/19/2023</a:t>
             </a:fld>
             <a:endParaRPr lang="en-US"/>
           </a:p>
@@ -15931,7 +15931,7 @@
             <a:fld id="{1D8BD707-D9CF-40AE-B4C6-C98DA3205C09}" type="datetimeFigureOut">
               <a:rPr lang="en-US" smtClean="0"/>
               <a:pPr defTabSz="914400" latinLnBrk="0"/>
-              <a:t>4/17/2023</a:t>
+              <a:t>4/19/2023</a:t>
             </a:fld>
             <a:endParaRPr lang="en-US"/>
           </a:p>
@@ -16621,7 +16621,7 @@
             <a:fld id="{1D8BD707-D9CF-40AE-B4C6-C98DA3205C09}" type="datetimeFigureOut">
               <a:rPr lang="en-US" smtClean="0"/>
               <a:pPr defTabSz="914400" latinLnBrk="0"/>
-              <a:t>4/17/2023</a:t>
+              <a:t>4/19/2023</a:t>
             </a:fld>
             <a:endParaRPr lang="en-US"/>
           </a:p>
@@ -17086,41 +17086,8 @@
                 </a:solidFill>
                 <a:latin typeface="+mn-ea"/>
               </a:rPr>
-              <a:t>Carbon isotopes in </a:t>
-            </a:r>
-            <a:r>
-              <a:rPr lang="en-US" altLang="ko-KR" sz="3600" b="1" dirty="0" smtClean="0">
-                <a:solidFill>
-                  <a:schemeClr val="bg1"/>
-                </a:solidFill>
-                <a:latin typeface="+mn-ea"/>
-              </a:rPr>
-              <a:t>Nuclear </a:t>
-            </a:r>
-            <a:r>
-              <a:rPr lang="en-US" altLang="ko-KR" sz="3600" b="1" dirty="0" smtClean="0">
-                <a:solidFill>
-                  <a:schemeClr val="bg1"/>
-                </a:solidFill>
-                <a:latin typeface="+mn-ea"/>
-              </a:rPr>
-              <a:t>Lattice Effective Field </a:t>
-            </a:r>
-            <a:r>
-              <a:rPr lang="en-US" altLang="ko-KR" sz="3600" b="1" dirty="0" smtClean="0">
-                <a:solidFill>
-                  <a:schemeClr val="bg1"/>
-                </a:solidFill>
-                <a:latin typeface="+mn-ea"/>
-              </a:rPr>
-              <a:t>Theory</a:t>
-            </a:r>
-            <a:endParaRPr lang="en-US" altLang="ko-KR" sz="3600" b="1" dirty="0" smtClean="0">
-              <a:solidFill>
-                <a:schemeClr val="bg1"/>
-              </a:solidFill>
-              <a:latin typeface="+mn-ea"/>
-            </a:endParaRPr>
+              <a:t>Carbon isotopes in Nuclear Lattice Effective Field Theory</a:t>
+            </a:r>
           </a:p>
         </p:txBody>
       </p:sp>
@@ -17339,19 +17306,7 @@
             <a:pPr lvl="1"/>
             <a:r>
               <a:rPr lang="en-US" altLang="ko-KR" sz="1800" dirty="0" smtClean="0"/>
-              <a:t>KPS </a:t>
-            </a:r>
-            <a:r>
-              <a:rPr lang="en-US" altLang="ko-KR" sz="1800" dirty="0" smtClean="0"/>
-              <a:t>Spring </a:t>
-            </a:r>
-            <a:r>
-              <a:rPr lang="en-US" altLang="ko-KR" sz="1800" dirty="0" smtClean="0"/>
-              <a:t>meeting </a:t>
-            </a:r>
-            <a:r>
-              <a:rPr lang="en-US" altLang="ko-KR" sz="1800" dirty="0" smtClean="0"/>
-              <a:t>2023.04.19., </a:t>
+              <a:t>KPS Spring meeting 2023.04.19., </a:t>
             </a:r>
             <a:r>
               <a:rPr lang="ko-KR" altLang="en-US" sz="1800" dirty="0" smtClean="0"/>
@@ -17414,8 +17369,8 @@
         </p:blipFill>
         <p:spPr>
           <a:xfrm>
-            <a:off x="359887" y="1546219"/>
-            <a:ext cx="5497300" cy="3413708"/>
+            <a:off x="593539" y="465427"/>
+            <a:ext cx="4322949" cy="2684461"/>
           </a:xfrm>
           <a:prstGeom prst="rect">
             <a:avLst/>
@@ -17430,7 +17385,7 @@
         </p:nvSpPr>
         <p:spPr>
           <a:xfrm>
-            <a:off x="775854" y="5697538"/>
+            <a:off x="5134631" y="5891069"/>
             <a:ext cx="4433455" cy="672492"/>
           </a:xfrm>
           <a:prstGeom prst="rect">
@@ -17446,7 +17401,15 @@
           <a:p>
             <a:r>
               <a:rPr lang="en-US" altLang="ko-KR" dirty="0" smtClean="0"/>
-              <a:t>Can we improve the agreement by </a:t>
+              <a:t>Can we improve </a:t>
+            </a:r>
+            <a:r>
+              <a:rPr lang="en-US" altLang="ko-KR" dirty="0" smtClean="0"/>
+              <a:t>it </a:t>
+            </a:r>
+            <a:r>
+              <a:rPr lang="en-US" altLang="ko-KR" dirty="0" smtClean="0"/>
+              <a:t>by </a:t>
             </a:r>
           </a:p>
           <a:p>
@@ -17474,8 +17437,56 @@
         </p:blipFill>
         <p:spPr>
           <a:xfrm>
-            <a:off x="5985164" y="1671782"/>
-            <a:ext cx="3772477" cy="2705387"/>
+            <a:off x="5620119" y="444502"/>
+            <a:ext cx="2858863" cy="2050200"/>
+          </a:xfrm>
+          <a:prstGeom prst="rect">
+            <a:avLst/>
+          </a:prstGeom>
+        </p:spPr>
+      </p:pic>
+      <p:pic>
+        <p:nvPicPr>
+          <p:cNvPr id="8" name="그림 7"/>
+          <p:cNvPicPr>
+            <a:picLocks noChangeAspect="1"/>
+          </p:cNvPicPr>
+          <p:nvPr/>
+        </p:nvPicPr>
+        <p:blipFill>
+          <a:blip r:embed="rId4"/>
+          <a:stretch>
+            <a:fillRect/>
+          </a:stretch>
+        </p:blipFill>
+        <p:spPr>
+          <a:xfrm>
+            <a:off x="593539" y="3382019"/>
+            <a:ext cx="3969326" cy="3250556"/>
+          </a:xfrm>
+          <a:prstGeom prst="rect">
+            <a:avLst/>
+          </a:prstGeom>
+        </p:spPr>
+      </p:pic>
+      <p:pic>
+        <p:nvPicPr>
+          <p:cNvPr id="9" name="그림 8"/>
+          <p:cNvPicPr>
+            <a:picLocks noChangeAspect="1"/>
+          </p:cNvPicPr>
+          <p:nvPr/>
+        </p:nvPicPr>
+        <p:blipFill>
+          <a:blip r:embed="rId5"/>
+          <a:stretch>
+            <a:fillRect/>
+          </a:stretch>
+        </p:blipFill>
+        <p:spPr>
+          <a:xfrm>
+            <a:off x="5400859" y="2605404"/>
+            <a:ext cx="3297381" cy="3017943"/>
           </a:xfrm>
           <a:prstGeom prst="rect">
             <a:avLst/>
@@ -18272,6 +18283,129 @@
           <a:p>
             <a:r>
               <a:rPr lang="en-US" altLang="ko-KR" dirty="0" smtClean="0"/>
+              <a:t>NN phase shifts from WFM</a:t>
+            </a:r>
+            <a:endParaRPr lang="ko-KR" altLang="en-US" dirty="0"/>
+          </a:p>
+        </p:txBody>
+      </p:sp>
+      <p:sp>
+        <p:nvSpPr>
+          <p:cNvPr id="4" name="TextBox 3"/>
+          <p:cNvSpPr txBox="1"/>
+          <p:nvPr/>
+        </p:nvSpPr>
+        <p:spPr>
+          <a:xfrm>
+            <a:off x="7323992" y="2022231"/>
+            <a:ext cx="2224454" cy="2412968"/>
+          </a:xfrm>
+          <a:prstGeom prst="rect">
+            <a:avLst/>
+          </a:prstGeom>
+          <a:noFill/>
+        </p:spPr>
+        <p:txBody>
+          <a:bodyPr wrap="square" rtlCol="0">
+            <a:spAutoFit/>
+          </a:bodyPr>
+          <a:lstStyle/>
+          <a:p>
+            <a:r>
+              <a:rPr lang="en-US" altLang="ko-KR" dirty="0" smtClean="0"/>
+              <a:t>Original Hamiltonian is fitted to phase shifts.</a:t>
+            </a:r>
+          </a:p>
+          <a:p>
+            <a:endParaRPr lang="en-US" altLang="ko-KR" dirty="0"/>
+          </a:p>
+          <a:p>
+            <a:r>
+              <a:rPr lang="en-US" altLang="ko-KR" dirty="0" smtClean="0"/>
+              <a:t>H’ is equivalent to original Hamiltonian.</a:t>
+            </a:r>
+            <a:endParaRPr lang="ko-KR" altLang="en-US" dirty="0"/>
+          </a:p>
+        </p:txBody>
+      </p:sp>
+      <p:pic>
+        <p:nvPicPr>
+          <p:cNvPr id="5" name="그림 4"/>
+          <p:cNvPicPr>
+            <a:picLocks noChangeAspect="1"/>
+          </p:cNvPicPr>
+          <p:nvPr/>
+        </p:nvPicPr>
+        <p:blipFill>
+          <a:blip r:embed="rId2"/>
+          <a:stretch>
+            <a:fillRect/>
+          </a:stretch>
+        </p:blipFill>
+        <p:spPr>
+          <a:xfrm>
+            <a:off x="282736" y="1592263"/>
+            <a:ext cx="6766657" cy="4302573"/>
+          </a:xfrm>
+          <a:prstGeom prst="rect">
+            <a:avLst/>
+          </a:prstGeom>
+        </p:spPr>
+      </p:pic>
+    </p:spTree>
+    <p:extLst>
+      <p:ext uri="{BB962C8B-B14F-4D97-AF65-F5344CB8AC3E}">
+        <p14:creationId xmlns:p14="http://schemas.microsoft.com/office/powerpoint/2010/main" val="3338107735"/>
+      </p:ext>
+    </p:extLst>
+  </p:cSld>
+  <p:clrMapOvr>
+    <a:masterClrMapping/>
+  </p:clrMapOvr>
+  <p:timing>
+    <p:tnLst>
+      <p:par>
+        <p:cTn id="1" dur="indefinite" restart="never" nodeType="tmRoot"/>
+      </p:par>
+    </p:tnLst>
+  </p:timing>
+</p:sld>
+</file>
+
+<file path=ppt/slides/slide15.xml><?xml version="1.0" encoding="utf-8"?>
+<p:sld xmlns:a="http://schemas.openxmlformats.org/drawingml/2006/main" xmlns:r="http://schemas.openxmlformats.org/officeDocument/2006/relationships" xmlns:p="http://schemas.openxmlformats.org/presentationml/2006/main">
+  <p:cSld>
+    <p:spTree>
+      <p:nvGrpSpPr>
+        <p:cNvPr id="1" name=""/>
+        <p:cNvGrpSpPr/>
+        <p:nvPr/>
+      </p:nvGrpSpPr>
+      <p:grpSpPr>
+        <a:xfrm>
+          <a:off x="0" y="0"/>
+          <a:ext cx="0" cy="0"/>
+          <a:chOff x="0" y="0"/>
+          <a:chExt cx="0" cy="0"/>
+        </a:xfrm>
+      </p:grpSpPr>
+      <p:sp>
+        <p:nvSpPr>
+          <p:cNvPr id="2" name="제목 1"/>
+          <p:cNvSpPr>
+            <a:spLocks noGrp="1"/>
+          </p:cNvSpPr>
+          <p:nvPr>
+            <p:ph type="title"/>
+          </p:nvPr>
+        </p:nvSpPr>
+        <p:spPr/>
+        <p:txBody>
+          <a:bodyPr/>
+          <a:lstStyle/>
+          <a:p>
+            <a:r>
+              <a:rPr lang="en-US" altLang="ko-KR" dirty="0" smtClean="0"/>
               <a:t>BE/A from WFM</a:t>
             </a:r>
             <a:endParaRPr lang="ko-KR" altLang="en-US" dirty="0"/>
@@ -18377,7 +18511,7 @@
 </p:sld>
 </file>
 
-<file path=ppt/slides/slide15.xml><?xml version="1.0" encoding="utf-8"?>
+<file path=ppt/slides/slide16.xml><?xml version="1.0" encoding="utf-8"?>
 <p:sld xmlns:a="http://schemas.openxmlformats.org/drawingml/2006/main" xmlns:r="http://schemas.openxmlformats.org/officeDocument/2006/relationships" xmlns:p="http://schemas.openxmlformats.org/presentationml/2006/main">
   <p:cSld>
     <p:spTree>
@@ -18564,7 +18698,7 @@
 </p:sld>
 </file>
 
-<file path=ppt/slides/slide16.xml><?xml version="1.0" encoding="utf-8"?>
+<file path=ppt/slides/slide17.xml><?xml version="1.0" encoding="utf-8"?>
 <p:sld xmlns:a="http://schemas.openxmlformats.org/drawingml/2006/main" xmlns:r="http://schemas.openxmlformats.org/officeDocument/2006/relationships" xmlns:p="http://schemas.openxmlformats.org/presentationml/2006/main">
   <p:cSld>
     <p:spTree>
@@ -18687,208 +18821,6 @@
     <p:extLst>
       <p:ext uri="{BB962C8B-B14F-4D97-AF65-F5344CB8AC3E}">
         <p14:creationId xmlns:p14="http://schemas.microsoft.com/office/powerpoint/2010/main" val="4111254820"/>
-      </p:ext>
-    </p:extLst>
-  </p:cSld>
-  <p:clrMapOvr>
-    <a:masterClrMapping/>
-  </p:clrMapOvr>
-  <p:timing>
-    <p:tnLst>
-      <p:par>
-        <p:cTn id="1" dur="indefinite" restart="never" nodeType="tmRoot"/>
-      </p:par>
-    </p:tnLst>
-  </p:timing>
-</p:sld>
-</file>
-
-<file path=ppt/slides/slide17.xml><?xml version="1.0" encoding="utf-8"?>
-<p:sld xmlns:a="http://schemas.openxmlformats.org/drawingml/2006/main" xmlns:r="http://schemas.openxmlformats.org/officeDocument/2006/relationships" xmlns:p="http://schemas.openxmlformats.org/presentationml/2006/main">
-  <p:cSld>
-    <p:spTree>
-      <p:nvGrpSpPr>
-        <p:cNvPr id="1" name=""/>
-        <p:cNvGrpSpPr/>
-        <p:nvPr/>
-      </p:nvGrpSpPr>
-      <p:grpSpPr>
-        <a:xfrm>
-          <a:off x="0" y="0"/>
-          <a:ext cx="0" cy="0"/>
-          <a:chOff x="0" y="0"/>
-          <a:chExt cx="0" cy="0"/>
-        </a:xfrm>
-      </p:grpSpPr>
-      <p:sp>
-        <p:nvSpPr>
-          <p:cNvPr id="2" name="제목 1"/>
-          <p:cNvSpPr>
-            <a:spLocks noGrp="1"/>
-          </p:cNvSpPr>
-          <p:nvPr>
-            <p:ph type="title"/>
-          </p:nvPr>
-        </p:nvSpPr>
-        <p:spPr/>
-        <p:txBody>
-          <a:bodyPr/>
-          <a:lstStyle/>
-          <a:p>
-            <a:r>
-              <a:rPr lang="en-US" altLang="ko-KR" dirty="0" smtClean="0"/>
-              <a:t>Nuclear/Neutron Matter</a:t>
-            </a:r>
-            <a:endParaRPr lang="ko-KR" altLang="en-US" dirty="0"/>
-          </a:p>
-        </p:txBody>
-      </p:sp>
-      <p:pic>
-        <p:nvPicPr>
-          <p:cNvPr id="3" name="그림 2"/>
-          <p:cNvPicPr>
-            <a:picLocks noChangeAspect="1"/>
-          </p:cNvPicPr>
-          <p:nvPr/>
-        </p:nvPicPr>
-        <p:blipFill>
-          <a:blip r:embed="rId2"/>
-          <a:stretch>
-            <a:fillRect/>
-          </a:stretch>
-        </p:blipFill>
-        <p:spPr>
-          <a:xfrm>
-            <a:off x="580002" y="1784668"/>
-            <a:ext cx="5227074" cy="4427431"/>
-          </a:xfrm>
-          <a:prstGeom prst="rect">
-            <a:avLst/>
-          </a:prstGeom>
-        </p:spPr>
-      </p:pic>
-      <p:sp>
-        <p:nvSpPr>
-          <p:cNvPr id="4" name="TextBox 3"/>
-          <p:cNvSpPr txBox="1"/>
-          <p:nvPr/>
-        </p:nvSpPr>
-        <p:spPr>
-          <a:xfrm>
-            <a:off x="6354618" y="1948873"/>
-            <a:ext cx="2846532" cy="2122889"/>
-          </a:xfrm>
-          <a:prstGeom prst="rect">
-            <a:avLst/>
-          </a:prstGeom>
-          <a:noFill/>
-        </p:spPr>
-        <p:txBody>
-          <a:bodyPr wrap="square" rtlCol="0">
-            <a:spAutoFit/>
-          </a:bodyPr>
-          <a:lstStyle/>
-          <a:p>
-            <a:r>
-              <a:rPr lang="en-US" altLang="ko-KR" dirty="0" smtClean="0"/>
-              <a:t>Neutron matter: </a:t>
-            </a:r>
-          </a:p>
-          <a:p>
-            <a:r>
-              <a:rPr lang="en-US" altLang="ko-KR" dirty="0" smtClean="0"/>
-              <a:t>A=4~80</a:t>
-            </a:r>
-          </a:p>
-          <a:p>
-            <a:r>
-              <a:rPr lang="en-US" altLang="ko-KR" dirty="0" smtClean="0"/>
-              <a:t>box size 6.6 ~ 13.2  fm. </a:t>
-            </a:r>
-          </a:p>
-          <a:p>
-            <a:endParaRPr lang="en-US" altLang="ko-KR" dirty="0" smtClean="0"/>
-          </a:p>
-          <a:p>
-            <a:r>
-              <a:rPr lang="en-US" altLang="ko-KR" dirty="0" smtClean="0"/>
-              <a:t>Nuclear matter:</a:t>
-            </a:r>
-          </a:p>
-          <a:p>
-            <a:r>
-              <a:rPr lang="en-US" altLang="ko-KR" dirty="0" smtClean="0"/>
-              <a:t>A=4 ~ 160</a:t>
-            </a:r>
-          </a:p>
-          <a:p>
-            <a:r>
-              <a:rPr lang="en-US" altLang="ko-KR" dirty="0" smtClean="0"/>
-              <a:t>Box size 7.92~9.24 fm. </a:t>
-            </a:r>
-            <a:endParaRPr lang="ko-KR" altLang="en-US" dirty="0"/>
-          </a:p>
-        </p:txBody>
-      </p:sp>
-      <p:sp>
-        <p:nvSpPr>
-          <p:cNvPr id="5" name="직사각형 4"/>
-          <p:cNvSpPr/>
-          <p:nvPr/>
-        </p:nvSpPr>
-        <p:spPr>
-          <a:xfrm>
-            <a:off x="7136303" y="5559721"/>
-            <a:ext cx="2654243" cy="646331"/>
-          </a:xfrm>
-          <a:prstGeom prst="rect">
-            <a:avLst/>
-          </a:prstGeom>
-          <a:noFill/>
-        </p:spPr>
-        <p:txBody>
-          <a:bodyPr wrap="square" lIns="91440" tIns="45720" rIns="91440" bIns="45720">
-            <a:spAutoFit/>
-          </a:bodyPr>
-          <a:lstStyle/>
-          <a:p>
-            <a:pPr algn="ctr"/>
-            <a:r>
-              <a:rPr lang="en-US" altLang="ko-KR" sz="3600" b="0" cap="none" spc="0" dirty="0" smtClean="0">
-                <a:ln w="0"/>
-                <a:solidFill>
-                  <a:srgbClr val="FF0000"/>
-                </a:solidFill>
-                <a:effectLst>
-                  <a:outerShdw blurRad="38100" dist="19050" dir="2700000" algn="tl" rotWithShape="0">
-                    <a:schemeClr val="dk1">
-                      <a:alpha val="40000"/>
-                    </a:schemeClr>
-                  </a:outerShdw>
-                </a:effectLst>
-              </a:rPr>
-              <a:t>Preliminary</a:t>
-            </a:r>
-            <a:endParaRPr lang="en-US" altLang="ko-KR" sz="3600" b="0" cap="none" spc="0" dirty="0">
-              <a:ln w="0"/>
-              <a:solidFill>
-                <a:srgbClr val="FF0000"/>
-              </a:solidFill>
-              <a:effectLst>
-                <a:outerShdw blurRad="38100" dist="19050" dir="2700000" algn="tl" rotWithShape="0">
-                  <a:schemeClr val="dk1">
-                    <a:alpha val="40000"/>
-                  </a:schemeClr>
-                </a:outerShdw>
-              </a:effectLst>
-            </a:endParaRPr>
-          </a:p>
-        </p:txBody>
-      </p:sp>
-    </p:spTree>
-    <p:extLst>
-      <p:ext uri="{BB962C8B-B14F-4D97-AF65-F5344CB8AC3E}">
-        <p14:creationId xmlns:p14="http://schemas.microsoft.com/office/powerpoint/2010/main" val="994957564"/>
       </p:ext>
     </p:extLst>
   </p:cSld>
@@ -18938,6 +18870,208 @@
           <a:lstStyle/>
           <a:p>
             <a:r>
+              <a:rPr lang="en-US" altLang="ko-KR" dirty="0" smtClean="0"/>
+              <a:t>Nuclear/Neutron Matter</a:t>
+            </a:r>
+            <a:endParaRPr lang="ko-KR" altLang="en-US" dirty="0"/>
+          </a:p>
+        </p:txBody>
+      </p:sp>
+      <p:pic>
+        <p:nvPicPr>
+          <p:cNvPr id="3" name="그림 2"/>
+          <p:cNvPicPr>
+            <a:picLocks noChangeAspect="1"/>
+          </p:cNvPicPr>
+          <p:nvPr/>
+        </p:nvPicPr>
+        <p:blipFill>
+          <a:blip r:embed="rId2"/>
+          <a:stretch>
+            <a:fillRect/>
+          </a:stretch>
+        </p:blipFill>
+        <p:spPr>
+          <a:xfrm>
+            <a:off x="580002" y="1784668"/>
+            <a:ext cx="5227074" cy="4427431"/>
+          </a:xfrm>
+          <a:prstGeom prst="rect">
+            <a:avLst/>
+          </a:prstGeom>
+        </p:spPr>
+      </p:pic>
+      <p:sp>
+        <p:nvSpPr>
+          <p:cNvPr id="4" name="TextBox 3"/>
+          <p:cNvSpPr txBox="1"/>
+          <p:nvPr/>
+        </p:nvSpPr>
+        <p:spPr>
+          <a:xfrm>
+            <a:off x="6354618" y="1948873"/>
+            <a:ext cx="2846532" cy="2122889"/>
+          </a:xfrm>
+          <a:prstGeom prst="rect">
+            <a:avLst/>
+          </a:prstGeom>
+          <a:noFill/>
+        </p:spPr>
+        <p:txBody>
+          <a:bodyPr wrap="square" rtlCol="0">
+            <a:spAutoFit/>
+          </a:bodyPr>
+          <a:lstStyle/>
+          <a:p>
+            <a:r>
+              <a:rPr lang="en-US" altLang="ko-KR" dirty="0" smtClean="0"/>
+              <a:t>Neutron matter: </a:t>
+            </a:r>
+          </a:p>
+          <a:p>
+            <a:r>
+              <a:rPr lang="en-US" altLang="ko-KR" dirty="0" smtClean="0"/>
+              <a:t>A=4~80</a:t>
+            </a:r>
+          </a:p>
+          <a:p>
+            <a:r>
+              <a:rPr lang="en-US" altLang="ko-KR" dirty="0" smtClean="0"/>
+              <a:t>box size 6.6 ~ 13.2  fm. </a:t>
+            </a:r>
+          </a:p>
+          <a:p>
+            <a:endParaRPr lang="en-US" altLang="ko-KR" dirty="0" smtClean="0"/>
+          </a:p>
+          <a:p>
+            <a:r>
+              <a:rPr lang="en-US" altLang="ko-KR" dirty="0" smtClean="0"/>
+              <a:t>Nuclear matter:</a:t>
+            </a:r>
+          </a:p>
+          <a:p>
+            <a:r>
+              <a:rPr lang="en-US" altLang="ko-KR" dirty="0" smtClean="0"/>
+              <a:t>A=4 ~ 160</a:t>
+            </a:r>
+          </a:p>
+          <a:p>
+            <a:r>
+              <a:rPr lang="en-US" altLang="ko-KR" dirty="0" smtClean="0"/>
+              <a:t>Box size 7.92~9.24 fm. </a:t>
+            </a:r>
+            <a:endParaRPr lang="ko-KR" altLang="en-US" dirty="0"/>
+          </a:p>
+        </p:txBody>
+      </p:sp>
+      <p:sp>
+        <p:nvSpPr>
+          <p:cNvPr id="5" name="직사각형 4"/>
+          <p:cNvSpPr/>
+          <p:nvPr/>
+        </p:nvSpPr>
+        <p:spPr>
+          <a:xfrm>
+            <a:off x="7136303" y="5559721"/>
+            <a:ext cx="2654243" cy="646331"/>
+          </a:xfrm>
+          <a:prstGeom prst="rect">
+            <a:avLst/>
+          </a:prstGeom>
+          <a:noFill/>
+        </p:spPr>
+        <p:txBody>
+          <a:bodyPr wrap="square" lIns="91440" tIns="45720" rIns="91440" bIns="45720">
+            <a:spAutoFit/>
+          </a:bodyPr>
+          <a:lstStyle/>
+          <a:p>
+            <a:pPr algn="ctr"/>
+            <a:r>
+              <a:rPr lang="en-US" altLang="ko-KR" sz="3600" b="0" cap="none" spc="0" dirty="0" smtClean="0">
+                <a:ln w="0"/>
+                <a:solidFill>
+                  <a:srgbClr val="FF0000"/>
+                </a:solidFill>
+                <a:effectLst>
+                  <a:outerShdw blurRad="38100" dist="19050" dir="2700000" algn="tl" rotWithShape="0">
+                    <a:schemeClr val="dk1">
+                      <a:alpha val="40000"/>
+                    </a:schemeClr>
+                  </a:outerShdw>
+                </a:effectLst>
+              </a:rPr>
+              <a:t>Preliminary</a:t>
+            </a:r>
+            <a:endParaRPr lang="en-US" altLang="ko-KR" sz="3600" b="0" cap="none" spc="0" dirty="0">
+              <a:ln w="0"/>
+              <a:solidFill>
+                <a:srgbClr val="FF0000"/>
+              </a:solidFill>
+              <a:effectLst>
+                <a:outerShdw blurRad="38100" dist="19050" dir="2700000" algn="tl" rotWithShape="0">
+                  <a:schemeClr val="dk1">
+                    <a:alpha val="40000"/>
+                  </a:schemeClr>
+                </a:outerShdw>
+              </a:effectLst>
+            </a:endParaRPr>
+          </a:p>
+        </p:txBody>
+      </p:sp>
+    </p:spTree>
+    <p:extLst>
+      <p:ext uri="{BB962C8B-B14F-4D97-AF65-F5344CB8AC3E}">
+        <p14:creationId xmlns:p14="http://schemas.microsoft.com/office/powerpoint/2010/main" val="994957564"/>
+      </p:ext>
+    </p:extLst>
+  </p:cSld>
+  <p:clrMapOvr>
+    <a:masterClrMapping/>
+  </p:clrMapOvr>
+  <p:timing>
+    <p:tnLst>
+      <p:par>
+        <p:cTn id="1" dur="indefinite" restart="never" nodeType="tmRoot"/>
+      </p:par>
+    </p:tnLst>
+  </p:timing>
+</p:sld>
+</file>
+
+<file path=ppt/slides/slide19.xml><?xml version="1.0" encoding="utf-8"?>
+<p:sld xmlns:a="http://schemas.openxmlformats.org/drawingml/2006/main" xmlns:r="http://schemas.openxmlformats.org/officeDocument/2006/relationships" xmlns:p="http://schemas.openxmlformats.org/presentationml/2006/main">
+  <p:cSld>
+    <p:spTree>
+      <p:nvGrpSpPr>
+        <p:cNvPr id="1" name=""/>
+        <p:cNvGrpSpPr/>
+        <p:nvPr/>
+      </p:nvGrpSpPr>
+      <p:grpSpPr>
+        <a:xfrm>
+          <a:off x="0" y="0"/>
+          <a:ext cx="0" cy="0"/>
+          <a:chOff x="0" y="0"/>
+          <a:chExt cx="0" cy="0"/>
+        </a:xfrm>
+      </p:grpSpPr>
+      <p:sp>
+        <p:nvSpPr>
+          <p:cNvPr id="2" name="제목 1"/>
+          <p:cNvSpPr>
+            <a:spLocks noGrp="1"/>
+          </p:cNvSpPr>
+          <p:nvPr>
+            <p:ph type="title"/>
+          </p:nvPr>
+        </p:nvSpPr>
+        <p:spPr/>
+        <p:txBody>
+          <a:bodyPr/>
+          <a:lstStyle/>
+          <a:p>
+            <a:r>
               <a:rPr lang="en-US" dirty="0" smtClean="0"/>
               <a:t>Carbon isotopes</a:t>
             </a:r>
@@ -19027,138 +19161,6 @@
     <p:extLst>
       <p:ext uri="{BB962C8B-B14F-4D97-AF65-F5344CB8AC3E}">
         <p14:creationId xmlns:p14="http://schemas.microsoft.com/office/powerpoint/2010/main" val="1722360114"/>
-      </p:ext>
-    </p:extLst>
-  </p:cSld>
-  <p:clrMapOvr>
-    <a:masterClrMapping/>
-  </p:clrMapOvr>
-</p:sld>
-</file>
-
-<file path=ppt/slides/slide19.xml><?xml version="1.0" encoding="utf-8"?>
-<p:sld xmlns:a="http://schemas.openxmlformats.org/drawingml/2006/main" xmlns:r="http://schemas.openxmlformats.org/officeDocument/2006/relationships" xmlns:p="http://schemas.openxmlformats.org/presentationml/2006/main">
-  <p:cSld>
-    <p:spTree>
-      <p:nvGrpSpPr>
-        <p:cNvPr id="1" name=""/>
-        <p:cNvGrpSpPr/>
-        <p:nvPr/>
-      </p:nvGrpSpPr>
-      <p:grpSpPr>
-        <a:xfrm>
-          <a:off x="0" y="0"/>
-          <a:ext cx="0" cy="0"/>
-          <a:chOff x="0" y="0"/>
-          <a:chExt cx="0" cy="0"/>
-        </a:xfrm>
-      </p:grpSpPr>
-      <p:sp>
-        <p:nvSpPr>
-          <p:cNvPr id="2" name="제목 1"/>
-          <p:cNvSpPr>
-            <a:spLocks noGrp="1"/>
-          </p:cNvSpPr>
-          <p:nvPr>
-            <p:ph type="title"/>
-          </p:nvPr>
-        </p:nvSpPr>
-        <p:spPr/>
-        <p:txBody>
-          <a:bodyPr/>
-          <a:lstStyle/>
-          <a:p>
-            <a:r>
-              <a:rPr lang="en-US" dirty="0" smtClean="0"/>
-              <a:t>Carbon and Oxygen</a:t>
-            </a:r>
-            <a:endParaRPr lang="en-US" dirty="0"/>
-          </a:p>
-        </p:txBody>
-      </p:sp>
-      <p:pic>
-        <p:nvPicPr>
-          <p:cNvPr id="3" name="그림 2"/>
-          <p:cNvPicPr>
-            <a:picLocks noChangeAspect="1"/>
-          </p:cNvPicPr>
-          <p:nvPr/>
-        </p:nvPicPr>
-        <p:blipFill>
-          <a:blip r:embed="rId2"/>
-          <a:stretch>
-            <a:fillRect/>
-          </a:stretch>
-        </p:blipFill>
-        <p:spPr>
-          <a:xfrm>
-            <a:off x="796143" y="1915296"/>
-            <a:ext cx="8313714" cy="4345463"/>
-          </a:xfrm>
-          <a:prstGeom prst="rect">
-            <a:avLst/>
-          </a:prstGeom>
-        </p:spPr>
-      </p:pic>
-      <p:sp>
-        <p:nvSpPr>
-          <p:cNvPr id="4" name="직사각형 3"/>
-          <p:cNvSpPr/>
-          <p:nvPr/>
-        </p:nvSpPr>
-        <p:spPr>
-          <a:xfrm>
-            <a:off x="7136303" y="5986244"/>
-            <a:ext cx="2654243" cy="646331"/>
-          </a:xfrm>
-          <a:prstGeom prst="rect">
-            <a:avLst/>
-          </a:prstGeom>
-          <a:noFill/>
-        </p:spPr>
-        <p:txBody>
-          <a:bodyPr wrap="square" lIns="91440" tIns="45720" rIns="91440" bIns="45720">
-            <a:spAutoFit/>
-          </a:bodyPr>
-          <a:lstStyle/>
-          <a:p>
-            <a:pPr algn="ctr"/>
-            <a:r>
-              <a:rPr lang="en-US" altLang="ko-KR" sz="3600" b="0" cap="none" spc="0" dirty="0" smtClean="0">
-                <a:ln w="0"/>
-                <a:solidFill>
-                  <a:srgbClr val="FF0000"/>
-                </a:solidFill>
-                <a:effectLst>
-                  <a:outerShdw blurRad="38100" dist="19050" dir="2700000" algn="tl" rotWithShape="0">
-                    <a:schemeClr val="dk1">
-                      <a:alpha val="40000"/>
-                    </a:schemeClr>
-                  </a:outerShdw>
-                </a:effectLst>
-              </a:rPr>
-              <a:t>Preliminary</a:t>
-            </a:r>
-            <a:endParaRPr lang="en-US" altLang="ko-KR" sz="3600" b="0" cap="none" spc="0" dirty="0">
-              <a:ln w="0"/>
-              <a:solidFill>
-                <a:srgbClr val="FF0000"/>
-              </a:solidFill>
-              <a:effectLst>
-                <a:outerShdw blurRad="38100" dist="19050" dir="2700000" algn="tl" rotWithShape="0">
-                  <a:schemeClr val="dk1">
-                    <a:alpha val="40000"/>
-                  </a:schemeClr>
-                </a:outerShdw>
-              </a:effectLst>
-            </a:endParaRPr>
-          </a:p>
-        </p:txBody>
-      </p:sp>
-    </p:spTree>
-    <p:extLst>
-      <p:ext uri="{BB962C8B-B14F-4D97-AF65-F5344CB8AC3E}">
-        <p14:creationId xmlns:p14="http://schemas.microsoft.com/office/powerpoint/2010/main" val="2939805230"/>
       </p:ext>
     </p:extLst>
   </p:cSld>
@@ -19428,15 +19430,7 @@
                   <a:srgbClr val="0000FF"/>
                 </a:solidFill>
               </a:rPr>
-              <a:t> </a:t>
-            </a:r>
-            <a:r>
-              <a:rPr lang="en-US" altLang="ko-KR" dirty="0">
-                <a:solidFill>
-                  <a:srgbClr val="0000FF"/>
-                </a:solidFill>
-              </a:rPr>
-              <a:t>(CENS,IBS</a:t>
+              <a:t> (CENS,IBS</a:t>
             </a:r>
             <a:r>
               <a:rPr lang="en-US" altLang="ko-KR" dirty="0" smtClean="0">
@@ -19692,7 +19686,7 @@
           <a:p>
             <a:r>
               <a:rPr lang="en-US" dirty="0" smtClean="0"/>
-              <a:t>Carbon isotopes</a:t>
+              <a:t>Carbon and Oxygen</a:t>
             </a:r>
             <a:endParaRPr lang="en-US" dirty="0"/>
           </a:p>
@@ -19707,192 +19701,30 @@
           <p:nvPr/>
         </p:nvPicPr>
         <p:blipFill>
-          <a:blip r:embed="rId2">
-            <a:extLst>
-              <a:ext uri="{28A0092B-C50C-407E-A947-70E740481C1C}">
-                <a14:useLocalDpi xmlns:a14="http://schemas.microsoft.com/office/drawing/2010/main" val="0"/>
-              </a:ext>
-            </a:extLst>
-          </a:blip>
+          <a:blip r:embed="rId2"/>
           <a:stretch>
             <a:fillRect/>
           </a:stretch>
         </p:blipFill>
         <p:spPr>
           <a:xfrm>
-            <a:off x="5529263" y="1884218"/>
-            <a:ext cx="3571875" cy="2362200"/>
+            <a:off x="796143" y="1915296"/>
+            <a:ext cx="8313714" cy="4345463"/>
           </a:xfrm>
           <a:prstGeom prst="rect">
             <a:avLst/>
           </a:prstGeom>
         </p:spPr>
       </p:pic>
-      <p:pic>
-        <p:nvPicPr>
-          <p:cNvPr id="5" name="그림 4"/>
-          <p:cNvPicPr>
-            <a:picLocks noChangeAspect="1"/>
-          </p:cNvPicPr>
+      <p:sp>
+        <p:nvSpPr>
+          <p:cNvPr id="4" name="직사각형 3"/>
+          <p:cNvSpPr/>
           <p:nvPr/>
-        </p:nvPicPr>
-        <p:blipFill>
-          <a:blip r:embed="rId3"/>
-          <a:stretch>
-            <a:fillRect/>
-          </a:stretch>
-        </p:blipFill>
+        </p:nvSpPr>
         <p:spPr>
           <a:xfrm>
-            <a:off x="576840" y="1884218"/>
-            <a:ext cx="4385525" cy="2364509"/>
-          </a:xfrm>
-          <a:prstGeom prst="rect">
-            <a:avLst/>
-          </a:prstGeom>
-        </p:spPr>
-      </p:pic>
-      <p:sp>
-        <p:nvSpPr>
-          <p:cNvPr id="6" name="TextBox 5"/>
-          <p:cNvSpPr txBox="1"/>
-          <p:nvPr/>
-        </p:nvSpPr>
-        <p:spPr>
-          <a:xfrm>
-            <a:off x="861420" y="4507377"/>
-            <a:ext cx="4100945" cy="1600438"/>
-          </a:xfrm>
-          <a:prstGeom prst="rect">
-            <a:avLst/>
-          </a:prstGeom>
-          <a:noFill/>
-        </p:spPr>
-        <p:txBody>
-          <a:bodyPr wrap="square" rtlCol="0">
-            <a:spAutoFit/>
-          </a:bodyPr>
-          <a:lstStyle/>
-          <a:p>
-            <a:r>
-              <a:rPr lang="en-US" sz="1400" dirty="0" smtClean="0"/>
-              <a:t>1S0 and 3S1 </a:t>
-            </a:r>
-          </a:p>
-          <a:p>
-            <a:r>
-              <a:rPr lang="en-US" sz="1400" dirty="0" smtClean="0"/>
-              <a:t>contact terms contributions  </a:t>
-            </a:r>
-          </a:p>
-          <a:p>
-            <a:r>
-              <a:rPr lang="en-US" sz="1400" dirty="0" smtClean="0"/>
-              <a:t>Shows smooth dependence on </a:t>
-            </a:r>
-          </a:p>
-          <a:p>
-            <a:r>
-              <a:rPr lang="en-US" sz="1400" dirty="0" smtClean="0"/>
-              <a:t>extra neutron number </a:t>
-            </a:r>
-          </a:p>
-          <a:p>
-            <a:endParaRPr lang="en-US" sz="1400" dirty="0"/>
-          </a:p>
-          <a:p>
-            <a:r>
-              <a:rPr lang="en-US" sz="1400" dirty="0" smtClean="0"/>
-              <a:t>3S1(T=0) between np</a:t>
-            </a:r>
-          </a:p>
-          <a:p>
-            <a:r>
-              <a:rPr lang="en-US" sz="1400" dirty="0" smtClean="0"/>
-              <a:t>1S0(T=1) between </a:t>
-            </a:r>
-            <a:r>
-              <a:rPr lang="en-US" sz="1400" dirty="0" err="1" smtClean="0"/>
-              <a:t>nn,pp,np</a:t>
-            </a:r>
-            <a:endParaRPr lang="en-US" sz="1400" dirty="0" smtClean="0"/>
-          </a:p>
-        </p:txBody>
-      </p:sp>
-      <p:sp>
-        <p:nvSpPr>
-          <p:cNvPr id="7" name="TextBox 6"/>
-          <p:cNvSpPr txBox="1"/>
-          <p:nvPr/>
-        </p:nvSpPr>
-        <p:spPr>
-          <a:xfrm>
-            <a:off x="5443529" y="4442754"/>
-            <a:ext cx="4100945" cy="1815882"/>
-          </a:xfrm>
-          <a:prstGeom prst="rect">
-            <a:avLst/>
-          </a:prstGeom>
-          <a:noFill/>
-        </p:spPr>
-        <p:txBody>
-          <a:bodyPr wrap="square" rtlCol="0">
-            <a:spAutoFit/>
-          </a:bodyPr>
-          <a:lstStyle/>
-          <a:p>
-            <a:r>
-              <a:rPr lang="en-US" sz="1400" dirty="0" smtClean="0"/>
-              <a:t>Proton kinetic energy contribution</a:t>
-            </a:r>
-          </a:p>
-          <a:p>
-            <a:r>
-              <a:rPr lang="en-US" sz="1400" dirty="0" smtClean="0"/>
-              <a:t>Is not sensitive to extra neutron number.</a:t>
-            </a:r>
-          </a:p>
-          <a:p>
-            <a:endParaRPr lang="en-US" sz="1400" dirty="0" smtClean="0"/>
-          </a:p>
-          <a:p>
-            <a:r>
-              <a:rPr lang="en-US" sz="1400" dirty="0" smtClean="0"/>
-              <a:t>Neutron kinetic energy contribution</a:t>
-            </a:r>
-          </a:p>
-          <a:p>
-            <a:r>
-              <a:rPr lang="en-US" sz="1400" dirty="0" smtClean="0"/>
-              <a:t>Shows smooth dependence on </a:t>
-            </a:r>
-          </a:p>
-          <a:p>
-            <a:r>
-              <a:rPr lang="en-US" sz="1400" dirty="0" smtClean="0"/>
-              <a:t>extra neutron number </a:t>
-            </a:r>
-          </a:p>
-          <a:p>
-            <a:endParaRPr lang="en-US" sz="1400" dirty="0"/>
-          </a:p>
-          <a:p>
-            <a:r>
-              <a:rPr lang="en-US" sz="1400" dirty="0" smtClean="0"/>
-              <a:t>Similar results for Oxygen isotopes. </a:t>
-            </a:r>
-          </a:p>
-        </p:txBody>
-      </p:sp>
-      <p:sp>
-        <p:nvSpPr>
-          <p:cNvPr id="8" name="직사각형 7"/>
-          <p:cNvSpPr/>
-          <p:nvPr/>
-        </p:nvSpPr>
-        <p:spPr>
-          <a:xfrm>
-            <a:off x="7006994" y="1041551"/>
+            <a:off x="7136303" y="5986244"/>
             <a:ext cx="2654243" cy="646331"/>
           </a:xfrm>
           <a:prstGeom prst="rect">
@@ -19942,7 +19774,7 @@
     </p:spTree>
     <p:extLst>
       <p:ext uri="{BB962C8B-B14F-4D97-AF65-F5344CB8AC3E}">
-        <p14:creationId xmlns:p14="http://schemas.microsoft.com/office/powerpoint/2010/main" val="1437315952"/>
+        <p14:creationId xmlns:p14="http://schemas.microsoft.com/office/powerpoint/2010/main" val="2939805230"/>
       </p:ext>
     </p:extLst>
   </p:cSld>
@@ -20040,11 +19872,7 @@
             </a:pPr>
             <a:r>
               <a:rPr lang="en-US" altLang="ko-KR" dirty="0" smtClean="0"/>
-              <a:t>Preliminary study shows promising results for wide range of </a:t>
-            </a:r>
-            <a:r>
-              <a:rPr lang="en-US" altLang="ko-KR" dirty="0" smtClean="0"/>
-              <a:t>observables </a:t>
+              <a:t>Preliminary study shows promising results for wide range of observables </a:t>
             </a:r>
             <a:r>
               <a:rPr lang="en-US" altLang="ko-KR" dirty="0" smtClean="0">
@@ -20058,7 +19886,6 @@
               <a:rPr lang="en-US" altLang="ko-KR" dirty="0" smtClean="0"/>
               <a:t>(same interaction and many-body method)</a:t>
             </a:r>
-            <a:endParaRPr lang="en-US" altLang="ko-KR" dirty="0" smtClean="0"/>
           </a:p>
           <a:p>
             <a:pPr marL="1300738" lvl="2" indent="-342900">
@@ -20097,11 +19924,7 @@
             </a:pPr>
             <a:r>
               <a:rPr lang="en-US" altLang="ko-KR" dirty="0" smtClean="0"/>
-              <a:t>Neutron </a:t>
-            </a:r>
-            <a:r>
-              <a:rPr lang="en-US" altLang="ko-KR" dirty="0" smtClean="0"/>
-              <a:t>matter</a:t>
+              <a:t>Neutron matter</a:t>
             </a:r>
           </a:p>
           <a:p>
@@ -20111,11 +19934,7 @@
             </a:pPr>
             <a:r>
               <a:rPr lang="en-US" altLang="ko-KR" dirty="0" smtClean="0"/>
-              <a:t>NLEFT can be applied for nuclei </a:t>
-            </a:r>
-            <a:r>
-              <a:rPr lang="en-US" altLang="ko-KR" dirty="0" smtClean="0"/>
-              <a:t>near the dripline. (Carbon and Oxygen) </a:t>
+              <a:t>NLEFT can be applied for nuclei near the dripline. (Carbon and Oxygen) </a:t>
             </a:r>
             <a:endParaRPr lang="ko-KR" altLang="en-US" dirty="0"/>
           </a:p>
@@ -20193,22 +20012,62 @@
         </p:nvSpPr>
         <p:spPr/>
         <p:txBody>
-          <a:bodyPr/>
+          <a:bodyPr>
+            <a:normAutofit lnSpcReduction="10000"/>
+          </a:bodyPr>
           <a:lstStyle/>
           <a:p>
             <a:r>
               <a:rPr lang="en-US" altLang="ko-KR" dirty="0" smtClean="0">
                 <a:sym typeface="Wingdings" panose="05000000000000000000" pitchFamily="2" charset="2"/>
               </a:rPr>
-              <a:t>(ab initio) Nuclear physics is challenging.</a:t>
-            </a:r>
-          </a:p>
-          <a:p>
+              <a:t>(ab initio) </a:t>
+            </a:r>
             <a:r>
               <a:rPr lang="en-US" altLang="ko-KR" dirty="0" smtClean="0">
                 <a:sym typeface="Wingdings" panose="05000000000000000000" pitchFamily="2" charset="2"/>
               </a:rPr>
-              <a:t>Nuclear many body problem</a:t>
+              <a:t>2N , 3N</a:t>
+            </a:r>
+            <a:r>
+              <a:rPr lang="en-US" altLang="ko-KR" dirty="0" smtClean="0">
+                <a:sym typeface="Wingdings" panose="05000000000000000000" pitchFamily="2" charset="2"/>
+              </a:rPr>
+              <a:t> interaction. </a:t>
+            </a:r>
+          </a:p>
+          <a:p>
+            <a:r>
+              <a:rPr lang="en-US" altLang="ko-KR" dirty="0">
+                <a:sym typeface="Wingdings" panose="05000000000000000000" pitchFamily="2" charset="2"/>
+              </a:rPr>
+              <a:t> </a:t>
+            </a:r>
+            <a:r>
+              <a:rPr lang="en-US" altLang="ko-KR" dirty="0" smtClean="0">
+                <a:sym typeface="Wingdings" panose="05000000000000000000" pitchFamily="2" charset="2"/>
+              </a:rPr>
+              <a:t>               </a:t>
+            </a:r>
+            <a:r>
+              <a:rPr lang="en-US" altLang="ko-KR" dirty="0" smtClean="0">
+                <a:sym typeface="Wingdings" panose="05000000000000000000" pitchFamily="2" charset="2"/>
+              </a:rPr>
+              <a:t>No phenomenological model.</a:t>
+            </a:r>
+          </a:p>
+          <a:p>
+            <a:r>
+              <a:rPr lang="en-US" altLang="ko-KR" dirty="0" smtClean="0">
+                <a:sym typeface="Wingdings" panose="05000000000000000000" pitchFamily="2" charset="2"/>
+              </a:rPr>
+              <a:t>Nuclear </a:t>
+            </a:r>
+            <a:r>
+              <a:rPr lang="en-US" altLang="ko-KR" dirty="0" smtClean="0">
+                <a:sym typeface="Wingdings" panose="05000000000000000000" pitchFamily="2" charset="2"/>
+              </a:rPr>
+              <a:t>many body problem</a:t>
             </a:r>
           </a:p>
           <a:p>
